--- a/data_ir2/db.pptx
+++ b/data_ir2/db.pptx
@@ -799,7 +799,7 @@
           <a:bodyPr/>
           <a:lstStyle/>
           <a:p>
-            <a:endParaRPr lang="ko-KR" altLang="en-US"/>
+            <a:endParaRPr lang="ko-KR" altLang="en-US" dirty="0"/>
           </a:p>
         </p:txBody>
       </p:sp>
@@ -5928,12 +5928,20 @@
           <a:lstStyle/>
           <a:p>
             <a:r>
-              <a:rPr lang="en-US" altLang="ko-KR" dirty="0" smtClean="0"/>
-              <a:t>3</a:t>
+              <a:rPr lang="en-US" altLang="ko-KR" smtClean="0"/>
+              <a:t>1</a:t>
+            </a:r>
+            <a:r>
+              <a:rPr lang="ko-KR" altLang="en-US" smtClean="0"/>
+              <a:t>주</a:t>
+            </a:r>
+            <a:r>
+              <a:rPr lang="ko-KR" altLang="en-US" smtClean="0"/>
+              <a:t>전에 </a:t>
             </a:r>
             <a:r>
               <a:rPr lang="ko-KR" altLang="en-US" dirty="0" smtClean="0"/>
-              <a:t>주전에 한 내용</a:t>
+              <a:t>한 내용</a:t>
             </a:r>
             <a:endParaRPr lang="ko-KR" altLang="en-US" dirty="0"/>
           </a:p>
